--- a/Document/NTQUYEN-DATN.pptx
+++ b/Document/NTQUYEN-DATN.pptx
@@ -5,7 +5,7 @@
     <p:sldMasterId id="2147483648" r:id="rId1"/>
   </p:sldMasterIdLst>
   <p:notesMasterIdLst>
-    <p:notesMasterId r:id="rId12"/>
+    <p:notesMasterId r:id="rId15"/>
   </p:notesMasterIdLst>
   <p:sldIdLst>
     <p:sldId id="256" r:id="rId2"/>
@@ -17,7 +17,10 @@
     <p:sldId id="290" r:id="rId8"/>
     <p:sldId id="291" r:id="rId9"/>
     <p:sldId id="280" r:id="rId10"/>
-    <p:sldId id="285" r:id="rId11"/>
+    <p:sldId id="296" r:id="rId11"/>
+    <p:sldId id="294" r:id="rId12"/>
+    <p:sldId id="295" r:id="rId13"/>
+    <p:sldId id="285" r:id="rId14"/>
   </p:sldIdLst>
   <p:sldSz cx="9144000" cy="6858000" type="screen4x3"/>
   <p:notesSz cx="6858000" cy="9144000"/>
@@ -237,7 +240,7 @@
           <a:p>
             <a:fld id="{21D3BC9C-6C58-464F-B94E-FD73C5FB016E}" type="datetimeFigureOut">
               <a:rPr lang="en-US" smtClean="0"/>
-              <a:t>4/3/2019</a:t>
+              <a:t>4/4/2019</a:t>
             </a:fld>
             <a:endParaRPr lang="en-US" dirty="0"/>
           </a:p>
@@ -651,7 +654,7 @@
           <a:p>
             <a:fld id="{40DA1498-92C7-4E4B-8045-C9195F453964}" type="datetimeFigureOut">
               <a:rPr lang="en-US" smtClean="0"/>
-              <a:t>4/3/2019</a:t>
+              <a:t>4/4/2019</a:t>
             </a:fld>
             <a:endParaRPr lang="en-US" dirty="0"/>
           </a:p>
@@ -849,7 +852,7 @@
           <a:p>
             <a:fld id="{40DA1498-92C7-4E4B-8045-C9195F453964}" type="datetimeFigureOut">
               <a:rPr lang="en-US" smtClean="0"/>
-              <a:t>4/3/2019</a:t>
+              <a:t>4/4/2019</a:t>
             </a:fld>
             <a:endParaRPr lang="en-US" dirty="0"/>
           </a:p>
@@ -1057,7 +1060,7 @@
           <a:p>
             <a:fld id="{40DA1498-92C7-4E4B-8045-C9195F453964}" type="datetimeFigureOut">
               <a:rPr lang="en-US" smtClean="0"/>
-              <a:t>4/3/2019</a:t>
+              <a:t>4/4/2019</a:t>
             </a:fld>
             <a:endParaRPr lang="en-US" dirty="0"/>
           </a:p>
@@ -1255,7 +1258,7 @@
           <a:p>
             <a:fld id="{40DA1498-92C7-4E4B-8045-C9195F453964}" type="datetimeFigureOut">
               <a:rPr lang="en-US" smtClean="0"/>
-              <a:t>4/3/2019</a:t>
+              <a:t>4/4/2019</a:t>
             </a:fld>
             <a:endParaRPr lang="en-US" dirty="0"/>
           </a:p>
@@ -1530,7 +1533,7 @@
           <a:p>
             <a:fld id="{40DA1498-92C7-4E4B-8045-C9195F453964}" type="datetimeFigureOut">
               <a:rPr lang="en-US" smtClean="0"/>
-              <a:t>4/3/2019</a:t>
+              <a:t>4/4/2019</a:t>
             </a:fld>
             <a:endParaRPr lang="en-US" dirty="0"/>
           </a:p>
@@ -1795,7 +1798,7 @@
           <a:p>
             <a:fld id="{40DA1498-92C7-4E4B-8045-C9195F453964}" type="datetimeFigureOut">
               <a:rPr lang="en-US" smtClean="0"/>
-              <a:t>4/3/2019</a:t>
+              <a:t>4/4/2019</a:t>
             </a:fld>
             <a:endParaRPr lang="en-US" dirty="0"/>
           </a:p>
@@ -2207,7 +2210,7 @@
           <a:p>
             <a:fld id="{40DA1498-92C7-4E4B-8045-C9195F453964}" type="datetimeFigureOut">
               <a:rPr lang="en-US" smtClean="0"/>
-              <a:t>4/3/2019</a:t>
+              <a:t>4/4/2019</a:t>
             </a:fld>
             <a:endParaRPr lang="en-US" dirty="0"/>
           </a:p>
@@ -2348,7 +2351,7 @@
           <a:p>
             <a:fld id="{40DA1498-92C7-4E4B-8045-C9195F453964}" type="datetimeFigureOut">
               <a:rPr lang="en-US" smtClean="0"/>
-              <a:t>4/3/2019</a:t>
+              <a:t>4/4/2019</a:t>
             </a:fld>
             <a:endParaRPr lang="en-US" dirty="0"/>
           </a:p>
@@ -2461,7 +2464,7 @@
           <a:p>
             <a:fld id="{40DA1498-92C7-4E4B-8045-C9195F453964}" type="datetimeFigureOut">
               <a:rPr lang="en-US" smtClean="0"/>
-              <a:t>4/3/2019</a:t>
+              <a:t>4/4/2019</a:t>
             </a:fld>
             <a:endParaRPr lang="en-US" dirty="0"/>
           </a:p>
@@ -2772,7 +2775,7 @@
           <a:p>
             <a:fld id="{40DA1498-92C7-4E4B-8045-C9195F453964}" type="datetimeFigureOut">
               <a:rPr lang="en-US" smtClean="0"/>
-              <a:t>4/3/2019</a:t>
+              <a:t>4/4/2019</a:t>
             </a:fld>
             <a:endParaRPr lang="en-US" dirty="0"/>
           </a:p>
@@ -3064,7 +3067,7 @@
           <a:p>
             <a:fld id="{40DA1498-92C7-4E4B-8045-C9195F453964}" type="datetimeFigureOut">
               <a:rPr lang="en-US" smtClean="0"/>
-              <a:t>4/3/2019</a:t>
+              <a:t>4/4/2019</a:t>
             </a:fld>
             <a:endParaRPr lang="en-US" dirty="0"/>
           </a:p>
@@ -3305,7 +3308,7 @@
           <a:p>
             <a:fld id="{40DA1498-92C7-4E4B-8045-C9195F453964}" type="datetimeFigureOut">
               <a:rPr lang="en-US" smtClean="0"/>
-              <a:t>4/3/2019</a:t>
+              <a:t>4/4/2019</a:t>
             </a:fld>
             <a:endParaRPr lang="en-US" dirty="0"/>
           </a:p>
@@ -4388,6 +4391,1020 @@
 <file path=ppt/slides/slide10.xml><?xml version="1.0" encoding="utf-8"?>
 <p:sld xmlns:a="http://schemas.openxmlformats.org/drawingml/2006/main" xmlns:r="http://schemas.openxmlformats.org/officeDocument/2006/relationships" xmlns:p="http://schemas.openxmlformats.org/presentationml/2006/main">
   <p:cSld>
+    <p:spTree>
+      <p:nvGrpSpPr>
+        <p:cNvPr id="1" name=""/>
+        <p:cNvGrpSpPr/>
+        <p:nvPr/>
+      </p:nvGrpSpPr>
+      <p:grpSpPr>
+        <a:xfrm>
+          <a:off x="0" y="0"/>
+          <a:ext cx="0" cy="0"/>
+          <a:chOff x="0" y="0"/>
+          <a:chExt cx="0" cy="0"/>
+        </a:xfrm>
+      </p:grpSpPr>
+      <p:sp>
+        <p:nvSpPr>
+          <p:cNvPr id="7" name="Title 6" hidden="1">
+            <a:extLst>
+              <a:ext uri="{FF2B5EF4-FFF2-40B4-BE49-F238E27FC236}">
+                <a16:creationId xmlns:a16="http://schemas.microsoft.com/office/drawing/2014/main" id="{166BC32C-2E11-43D3-963B-9766918E0FE5}"/>
+              </a:ext>
+            </a:extLst>
+          </p:cNvPr>
+          <p:cNvSpPr>
+            <a:spLocks noGrp="1"/>
+          </p:cNvSpPr>
+          <p:nvPr>
+            <p:ph type="title" idx="4294967295"/>
+          </p:nvPr>
+        </p:nvSpPr>
+        <p:spPr>
+          <a:xfrm>
+            <a:off x="0" y="1131094"/>
+            <a:ext cx="7886700" cy="994172"/>
+          </a:xfrm>
+        </p:spPr>
+        <p:txBody>
+          <a:bodyPr/>
+          <a:lstStyle/>
+          <a:p>
+            <a:r>
+              <a:rPr lang="en-US" dirty="0"/>
+              <a:t>Project analysis slide 6</a:t>
+            </a:r>
+          </a:p>
+        </p:txBody>
+      </p:sp>
+      <p:cxnSp>
+        <p:nvCxnSpPr>
+          <p:cNvPr id="8" name="Straight Connector 7">
+            <a:extLst>
+              <a:ext uri="{FF2B5EF4-FFF2-40B4-BE49-F238E27FC236}">
+                <a16:creationId xmlns:a16="http://schemas.microsoft.com/office/drawing/2014/main" id="{D0986099-F5F2-4E8B-BE17-81194861A00C}"/>
+              </a:ext>
+              <a:ext uri="{C183D7F6-B498-43B3-948B-1728B52AA6E4}">
+                <adec:decorative xmlns:adec="http://schemas.microsoft.com/office/drawing/2017/decorative" val="1"/>
+              </a:ext>
+            </a:extLst>
+          </p:cNvPr>
+          <p:cNvCxnSpPr>
+            <a:cxnSpLocks/>
+          </p:cNvCxnSpPr>
+          <p:nvPr/>
+        </p:nvCxnSpPr>
+        <p:spPr>
+          <a:xfrm>
+            <a:off x="6079332" y="1249424"/>
+            <a:ext cx="3064669" cy="0"/>
+          </a:xfrm>
+          <a:prstGeom prst="line">
+            <a:avLst/>
+          </a:prstGeom>
+          <a:ln>
+            <a:solidFill>
+              <a:schemeClr val="accent3">
+                <a:lumMod val="50000"/>
+              </a:schemeClr>
+            </a:solidFill>
+            <a:headEnd type="oval"/>
+          </a:ln>
+        </p:spPr>
+        <p:style>
+          <a:lnRef idx="1">
+            <a:schemeClr val="accent1"/>
+          </a:lnRef>
+          <a:fillRef idx="0">
+            <a:schemeClr val="accent1"/>
+          </a:fillRef>
+          <a:effectRef idx="0">
+            <a:schemeClr val="accent1"/>
+          </a:effectRef>
+          <a:fontRef idx="minor">
+            <a:schemeClr val="tx1"/>
+          </a:fontRef>
+        </p:style>
+      </p:cxnSp>
+      <p:sp>
+        <p:nvSpPr>
+          <p:cNvPr id="11" name="Title 1">
+            <a:extLst>
+              <a:ext uri="{FF2B5EF4-FFF2-40B4-BE49-F238E27FC236}">
+                <a16:creationId xmlns:a16="http://schemas.microsoft.com/office/drawing/2014/main" id="{4E3F5479-058B-4FA8-92E9-18CAB8CDC5C5}"/>
+              </a:ext>
+            </a:extLst>
+          </p:cNvPr>
+          <p:cNvSpPr txBox="1">
+            <a:spLocks/>
+          </p:cNvSpPr>
+          <p:nvPr/>
+        </p:nvSpPr>
+        <p:spPr>
+          <a:xfrm>
+            <a:off x="36270" y="416673"/>
+            <a:ext cx="8801100" cy="387798"/>
+          </a:xfrm>
+          <a:prstGeom prst="rect">
+            <a:avLst/>
+          </a:prstGeom>
+        </p:spPr>
+        <p:txBody>
+          <a:bodyPr vert="horz" wrap="square" lIns="0" tIns="0" rIns="0" bIns="0" rtlCol="0" anchor="t">
+            <a:spAutoFit/>
+          </a:bodyPr>
+          <a:lstStyle>
+            <a:lvl1pPr algn="l" defTabSz="914400" rtl="0" eaLnBrk="1" latinLnBrk="0" hangingPunct="1">
+              <a:lnSpc>
+                <a:spcPct val="90000"/>
+              </a:lnSpc>
+              <a:spcBef>
+                <a:spcPct val="0"/>
+              </a:spcBef>
+              <a:buNone/>
+              <a:defRPr sz="4400" kern="1200">
+                <a:solidFill>
+                  <a:schemeClr val="tx1"/>
+                </a:solidFill>
+                <a:latin typeface="+mj-lt"/>
+                <a:ea typeface="+mj-ea"/>
+                <a:cs typeface="+mj-cs"/>
+              </a:defRPr>
+            </a:lvl1pPr>
+          </a:lstStyle>
+          <a:p>
+            <a:pPr algn="ctr"/>
+            <a:r>
+              <a:rPr lang="en-US" sz="2800" b="1" dirty="0">
+                <a:solidFill>
+                  <a:schemeClr val="tx1">
+                    <a:lumMod val="75000"/>
+                    <a:lumOff val="25000"/>
+                  </a:schemeClr>
+                </a:solidFill>
+                <a:latin typeface="Arial" panose="020B0604020202020204" pitchFamily="34" charset="0"/>
+                <a:cs typeface="Arial" panose="020B0604020202020204" pitchFamily="34" charset="0"/>
+              </a:rPr>
+              <a:t>CH</a:t>
+            </a:r>
+            <a:r>
+              <a:rPr lang="vi-VN" sz="2800" b="1" dirty="0">
+                <a:solidFill>
+                  <a:schemeClr val="tx1">
+                    <a:lumMod val="75000"/>
+                    <a:lumOff val="25000"/>
+                  </a:schemeClr>
+                </a:solidFill>
+                <a:latin typeface="Arial" panose="020B0604020202020204" pitchFamily="34" charset="0"/>
+                <a:cs typeface="Arial" panose="020B0604020202020204" pitchFamily="34" charset="0"/>
+              </a:rPr>
+              <a:t>Ư</a:t>
+            </a:r>
+            <a:r>
+              <a:rPr lang="en-US" sz="2800" b="1" dirty="0">
+                <a:solidFill>
+                  <a:schemeClr val="tx1">
+                    <a:lumMod val="75000"/>
+                    <a:lumOff val="25000"/>
+                  </a:schemeClr>
+                </a:solidFill>
+                <a:latin typeface="Arial" panose="020B0604020202020204" pitchFamily="34" charset="0"/>
+                <a:cs typeface="Arial" panose="020B0604020202020204" pitchFamily="34" charset="0"/>
+              </a:rPr>
+              <a:t>ƠNG 3: KẾT QUẢ ĐẠT Đ</a:t>
+            </a:r>
+            <a:r>
+              <a:rPr lang="vi-VN" sz="2800" b="1" dirty="0">
+                <a:solidFill>
+                  <a:schemeClr val="tx1">
+                    <a:lumMod val="75000"/>
+                    <a:lumOff val="25000"/>
+                  </a:schemeClr>
+                </a:solidFill>
+                <a:latin typeface="Arial" panose="020B0604020202020204" pitchFamily="34" charset="0"/>
+                <a:cs typeface="Arial" panose="020B0604020202020204" pitchFamily="34" charset="0"/>
+              </a:rPr>
+              <a:t>Ư</a:t>
+            </a:r>
+            <a:r>
+              <a:rPr lang="en-US" sz="2800" b="1" dirty="0">
+                <a:solidFill>
+                  <a:schemeClr val="tx1">
+                    <a:lumMod val="75000"/>
+                    <a:lumOff val="25000"/>
+                  </a:schemeClr>
+                </a:solidFill>
+                <a:latin typeface="Arial" panose="020B0604020202020204" pitchFamily="34" charset="0"/>
+                <a:cs typeface="Arial" panose="020B0604020202020204" pitchFamily="34" charset="0"/>
+              </a:rPr>
+              <a:t>ỢC</a:t>
+            </a:r>
+            <a:endParaRPr lang="en-US" sz="2800" dirty="0">
+              <a:solidFill>
+                <a:schemeClr val="tx1">
+                  <a:lumMod val="75000"/>
+                  <a:lumOff val="25000"/>
+                </a:schemeClr>
+              </a:solidFill>
+              <a:latin typeface="Arial" panose="020B0604020202020204" pitchFamily="34" charset="0"/>
+              <a:cs typeface="Arial" panose="020B0604020202020204" pitchFamily="34" charset="0"/>
+            </a:endParaRPr>
+          </a:p>
+        </p:txBody>
+      </p:sp>
+      <p:cxnSp>
+        <p:nvCxnSpPr>
+          <p:cNvPr id="14" name="Straight Connector 13">
+            <a:extLst>
+              <a:ext uri="{FF2B5EF4-FFF2-40B4-BE49-F238E27FC236}">
+                <a16:creationId xmlns:a16="http://schemas.microsoft.com/office/drawing/2014/main" id="{83E690F4-843A-47A5-8620-4FB01C0D8E68}"/>
+              </a:ext>
+              <a:ext uri="{C183D7F6-B498-43B3-948B-1728B52AA6E4}">
+                <adec:decorative xmlns:adec="http://schemas.microsoft.com/office/drawing/2017/decorative" val="1"/>
+              </a:ext>
+            </a:extLst>
+          </p:cNvPr>
+          <p:cNvCxnSpPr>
+            <a:cxnSpLocks/>
+          </p:cNvCxnSpPr>
+          <p:nvPr/>
+        </p:nvCxnSpPr>
+        <p:spPr>
+          <a:xfrm>
+            <a:off x="0" y="1249424"/>
+            <a:ext cx="3064669" cy="0"/>
+          </a:xfrm>
+          <a:prstGeom prst="line">
+            <a:avLst/>
+          </a:prstGeom>
+          <a:ln>
+            <a:solidFill>
+              <a:schemeClr val="accent3">
+                <a:lumMod val="50000"/>
+              </a:schemeClr>
+            </a:solidFill>
+            <a:tailEnd type="oval"/>
+          </a:ln>
+        </p:spPr>
+        <p:style>
+          <a:lnRef idx="1">
+            <a:schemeClr val="accent1"/>
+          </a:lnRef>
+          <a:fillRef idx="0">
+            <a:schemeClr val="accent1"/>
+          </a:fillRef>
+          <a:effectRef idx="0">
+            <a:schemeClr val="accent1"/>
+          </a:effectRef>
+          <a:fontRef idx="minor">
+            <a:schemeClr val="tx1"/>
+          </a:fontRef>
+        </p:style>
+      </p:cxnSp>
+      <p:pic>
+        <p:nvPicPr>
+          <p:cNvPr id="2" name="Picture 1">
+            <a:extLst>
+              <a:ext uri="{FF2B5EF4-FFF2-40B4-BE49-F238E27FC236}">
+                <a16:creationId xmlns:a16="http://schemas.microsoft.com/office/drawing/2014/main" id="{829C4B36-911D-48C4-B854-20A9CD8AAB1D}"/>
+              </a:ext>
+            </a:extLst>
+          </p:cNvPr>
+          <p:cNvPicPr>
+            <a:picLocks noChangeAspect="1"/>
+          </p:cNvPicPr>
+          <p:nvPr/>
+        </p:nvPicPr>
+        <p:blipFill>
+          <a:blip r:embed="rId2"/>
+          <a:stretch>
+            <a:fillRect/>
+          </a:stretch>
+        </p:blipFill>
+        <p:spPr>
+          <a:xfrm>
+            <a:off x="230434" y="1416299"/>
+            <a:ext cx="3443943" cy="2518138"/>
+          </a:xfrm>
+          <a:prstGeom prst="rect">
+            <a:avLst/>
+          </a:prstGeom>
+        </p:spPr>
+      </p:pic>
+      <p:pic>
+        <p:nvPicPr>
+          <p:cNvPr id="3" name="Picture 2">
+            <a:extLst>
+              <a:ext uri="{FF2B5EF4-FFF2-40B4-BE49-F238E27FC236}">
+                <a16:creationId xmlns:a16="http://schemas.microsoft.com/office/drawing/2014/main" id="{B4B667E6-A7FB-4A66-9CC1-624B7337B276}"/>
+              </a:ext>
+            </a:extLst>
+          </p:cNvPr>
+          <p:cNvPicPr>
+            <a:picLocks noChangeAspect="1"/>
+          </p:cNvPicPr>
+          <p:nvPr/>
+        </p:nvPicPr>
+        <p:blipFill>
+          <a:blip r:embed="rId3"/>
+          <a:stretch>
+            <a:fillRect/>
+          </a:stretch>
+        </p:blipFill>
+        <p:spPr>
+          <a:xfrm>
+            <a:off x="4655890" y="1416299"/>
+            <a:ext cx="4130628" cy="2518138"/>
+          </a:xfrm>
+          <a:prstGeom prst="rect">
+            <a:avLst/>
+          </a:prstGeom>
+        </p:spPr>
+      </p:pic>
+      <p:pic>
+        <p:nvPicPr>
+          <p:cNvPr id="4" name="Picture 3">
+            <a:extLst>
+              <a:ext uri="{FF2B5EF4-FFF2-40B4-BE49-F238E27FC236}">
+                <a16:creationId xmlns:a16="http://schemas.microsoft.com/office/drawing/2014/main" id="{6DB077F2-66AA-47AB-B5DE-775296A0E4B6}"/>
+              </a:ext>
+            </a:extLst>
+          </p:cNvPr>
+          <p:cNvPicPr>
+            <a:picLocks noChangeAspect="1"/>
+          </p:cNvPicPr>
+          <p:nvPr/>
+        </p:nvPicPr>
+        <p:blipFill>
+          <a:blip r:embed="rId4"/>
+          <a:stretch>
+            <a:fillRect/>
+          </a:stretch>
+        </p:blipFill>
+        <p:spPr>
+          <a:xfrm>
+            <a:off x="230433" y="4259556"/>
+            <a:ext cx="8670285" cy="2204184"/>
+          </a:xfrm>
+          <a:prstGeom prst="rect">
+            <a:avLst/>
+          </a:prstGeom>
+        </p:spPr>
+      </p:pic>
+    </p:spTree>
+    <p:extLst>
+      <p:ext uri="{BB962C8B-B14F-4D97-AF65-F5344CB8AC3E}">
+        <p14:creationId xmlns:p14="http://schemas.microsoft.com/office/powerpoint/2010/main" val="2255701614"/>
+      </p:ext>
+    </p:extLst>
+  </p:cSld>
+  <p:clrMapOvr>
+    <a:masterClrMapping/>
+  </p:clrMapOvr>
+</p:sld>
+</file>
+
+<file path=ppt/slides/slide11.xml><?xml version="1.0" encoding="utf-8"?>
+<p:sld xmlns:a="http://schemas.openxmlformats.org/drawingml/2006/main" xmlns:r="http://schemas.openxmlformats.org/officeDocument/2006/relationships" xmlns:p="http://schemas.openxmlformats.org/presentationml/2006/main">
+  <p:cSld>
+    <p:spTree>
+      <p:nvGrpSpPr>
+        <p:cNvPr id="1" name=""/>
+        <p:cNvGrpSpPr/>
+        <p:nvPr/>
+      </p:nvGrpSpPr>
+      <p:grpSpPr>
+        <a:xfrm>
+          <a:off x="0" y="0"/>
+          <a:ext cx="0" cy="0"/>
+          <a:chOff x="0" y="0"/>
+          <a:chExt cx="0" cy="0"/>
+        </a:xfrm>
+      </p:grpSpPr>
+      <p:sp>
+        <p:nvSpPr>
+          <p:cNvPr id="7" name="Title 6" hidden="1">
+            <a:extLst>
+              <a:ext uri="{FF2B5EF4-FFF2-40B4-BE49-F238E27FC236}">
+                <a16:creationId xmlns:a16="http://schemas.microsoft.com/office/drawing/2014/main" id="{166BC32C-2E11-43D3-963B-9766918E0FE5}"/>
+              </a:ext>
+            </a:extLst>
+          </p:cNvPr>
+          <p:cNvSpPr>
+            <a:spLocks noGrp="1"/>
+          </p:cNvSpPr>
+          <p:nvPr>
+            <p:ph type="title" idx="4294967295"/>
+          </p:nvPr>
+        </p:nvSpPr>
+        <p:spPr>
+          <a:xfrm>
+            <a:off x="0" y="1131094"/>
+            <a:ext cx="7886700" cy="994172"/>
+          </a:xfrm>
+        </p:spPr>
+        <p:txBody>
+          <a:bodyPr/>
+          <a:lstStyle/>
+          <a:p>
+            <a:r>
+              <a:rPr lang="en-US" dirty="0"/>
+              <a:t>Project analysis slide 6</a:t>
+            </a:r>
+          </a:p>
+        </p:txBody>
+      </p:sp>
+      <p:cxnSp>
+        <p:nvCxnSpPr>
+          <p:cNvPr id="8" name="Straight Connector 7">
+            <a:extLst>
+              <a:ext uri="{FF2B5EF4-FFF2-40B4-BE49-F238E27FC236}">
+                <a16:creationId xmlns:a16="http://schemas.microsoft.com/office/drawing/2014/main" id="{D0986099-F5F2-4E8B-BE17-81194861A00C}"/>
+              </a:ext>
+              <a:ext uri="{C183D7F6-B498-43B3-948B-1728B52AA6E4}">
+                <adec:decorative xmlns:adec="http://schemas.microsoft.com/office/drawing/2017/decorative" val="1"/>
+              </a:ext>
+            </a:extLst>
+          </p:cNvPr>
+          <p:cNvCxnSpPr>
+            <a:cxnSpLocks/>
+          </p:cNvCxnSpPr>
+          <p:nvPr/>
+        </p:nvCxnSpPr>
+        <p:spPr>
+          <a:xfrm>
+            <a:off x="6079332" y="1249424"/>
+            <a:ext cx="3064669" cy="0"/>
+          </a:xfrm>
+          <a:prstGeom prst="line">
+            <a:avLst/>
+          </a:prstGeom>
+          <a:ln>
+            <a:solidFill>
+              <a:schemeClr val="accent3">
+                <a:lumMod val="50000"/>
+              </a:schemeClr>
+            </a:solidFill>
+            <a:headEnd type="oval"/>
+          </a:ln>
+        </p:spPr>
+        <p:style>
+          <a:lnRef idx="1">
+            <a:schemeClr val="accent1"/>
+          </a:lnRef>
+          <a:fillRef idx="0">
+            <a:schemeClr val="accent1"/>
+          </a:fillRef>
+          <a:effectRef idx="0">
+            <a:schemeClr val="accent1"/>
+          </a:effectRef>
+          <a:fontRef idx="minor">
+            <a:schemeClr val="tx1"/>
+          </a:fontRef>
+        </p:style>
+      </p:cxnSp>
+      <p:sp>
+        <p:nvSpPr>
+          <p:cNvPr id="11" name="Title 1">
+            <a:extLst>
+              <a:ext uri="{FF2B5EF4-FFF2-40B4-BE49-F238E27FC236}">
+                <a16:creationId xmlns:a16="http://schemas.microsoft.com/office/drawing/2014/main" id="{4E3F5479-058B-4FA8-92E9-18CAB8CDC5C5}"/>
+              </a:ext>
+            </a:extLst>
+          </p:cNvPr>
+          <p:cNvSpPr txBox="1">
+            <a:spLocks/>
+          </p:cNvSpPr>
+          <p:nvPr/>
+        </p:nvSpPr>
+        <p:spPr>
+          <a:xfrm>
+            <a:off x="36270" y="416673"/>
+            <a:ext cx="8801100" cy="387798"/>
+          </a:xfrm>
+          <a:prstGeom prst="rect">
+            <a:avLst/>
+          </a:prstGeom>
+        </p:spPr>
+        <p:txBody>
+          <a:bodyPr vert="horz" wrap="square" lIns="0" tIns="0" rIns="0" bIns="0" rtlCol="0" anchor="t">
+            <a:spAutoFit/>
+          </a:bodyPr>
+          <a:lstStyle>
+            <a:lvl1pPr algn="l" defTabSz="914400" rtl="0" eaLnBrk="1" latinLnBrk="0" hangingPunct="1">
+              <a:lnSpc>
+                <a:spcPct val="90000"/>
+              </a:lnSpc>
+              <a:spcBef>
+                <a:spcPct val="0"/>
+              </a:spcBef>
+              <a:buNone/>
+              <a:defRPr sz="4400" kern="1200">
+                <a:solidFill>
+                  <a:schemeClr val="tx1"/>
+                </a:solidFill>
+                <a:latin typeface="+mj-lt"/>
+                <a:ea typeface="+mj-ea"/>
+                <a:cs typeface="+mj-cs"/>
+              </a:defRPr>
+            </a:lvl1pPr>
+          </a:lstStyle>
+          <a:p>
+            <a:pPr algn="ctr"/>
+            <a:r>
+              <a:rPr lang="en-US" sz="2800" b="1" dirty="0">
+                <a:solidFill>
+                  <a:schemeClr val="tx1">
+                    <a:lumMod val="75000"/>
+                    <a:lumOff val="25000"/>
+                  </a:schemeClr>
+                </a:solidFill>
+                <a:latin typeface="Arial" panose="020B0604020202020204" pitchFamily="34" charset="0"/>
+                <a:cs typeface="Arial" panose="020B0604020202020204" pitchFamily="34" charset="0"/>
+              </a:rPr>
+              <a:t>H</a:t>
+            </a:r>
+            <a:r>
+              <a:rPr lang="vi-VN" sz="2800" b="1" dirty="0">
+                <a:solidFill>
+                  <a:schemeClr val="tx1">
+                    <a:lumMod val="75000"/>
+                    <a:lumOff val="25000"/>
+                  </a:schemeClr>
+                </a:solidFill>
+                <a:latin typeface="Arial" panose="020B0604020202020204" pitchFamily="34" charset="0"/>
+                <a:cs typeface="Arial" panose="020B0604020202020204" pitchFamily="34" charset="0"/>
+              </a:rPr>
+              <a:t>Ư</a:t>
+            </a:r>
+            <a:r>
+              <a:rPr lang="en-US" sz="2800" b="1" dirty="0">
+                <a:solidFill>
+                  <a:schemeClr val="tx1">
+                    <a:lumMod val="75000"/>
+                    <a:lumOff val="25000"/>
+                  </a:schemeClr>
+                </a:solidFill>
+                <a:latin typeface="Arial" panose="020B0604020202020204" pitchFamily="34" charset="0"/>
+                <a:cs typeface="Arial" panose="020B0604020202020204" pitchFamily="34" charset="0"/>
+              </a:rPr>
+              <a:t>ỚNG PHÁT TRIỂN</a:t>
+            </a:r>
+            <a:endParaRPr lang="en-US" sz="2800" dirty="0">
+              <a:solidFill>
+                <a:schemeClr val="tx1">
+                  <a:lumMod val="75000"/>
+                  <a:lumOff val="25000"/>
+                </a:schemeClr>
+              </a:solidFill>
+              <a:latin typeface="Arial" panose="020B0604020202020204" pitchFamily="34" charset="0"/>
+              <a:cs typeface="Arial" panose="020B0604020202020204" pitchFamily="34" charset="0"/>
+            </a:endParaRPr>
+          </a:p>
+        </p:txBody>
+      </p:sp>
+      <p:cxnSp>
+        <p:nvCxnSpPr>
+          <p:cNvPr id="14" name="Straight Connector 13">
+            <a:extLst>
+              <a:ext uri="{FF2B5EF4-FFF2-40B4-BE49-F238E27FC236}">
+                <a16:creationId xmlns:a16="http://schemas.microsoft.com/office/drawing/2014/main" id="{83E690F4-843A-47A5-8620-4FB01C0D8E68}"/>
+              </a:ext>
+              <a:ext uri="{C183D7F6-B498-43B3-948B-1728B52AA6E4}">
+                <adec:decorative xmlns:adec="http://schemas.microsoft.com/office/drawing/2017/decorative" val="1"/>
+              </a:ext>
+            </a:extLst>
+          </p:cNvPr>
+          <p:cNvCxnSpPr>
+            <a:cxnSpLocks/>
+          </p:cNvCxnSpPr>
+          <p:nvPr/>
+        </p:nvCxnSpPr>
+        <p:spPr>
+          <a:xfrm>
+            <a:off x="0" y="1249424"/>
+            <a:ext cx="3064669" cy="0"/>
+          </a:xfrm>
+          <a:prstGeom prst="line">
+            <a:avLst/>
+          </a:prstGeom>
+          <a:ln>
+            <a:solidFill>
+              <a:schemeClr val="accent3">
+                <a:lumMod val="50000"/>
+              </a:schemeClr>
+            </a:solidFill>
+            <a:tailEnd type="oval"/>
+          </a:ln>
+        </p:spPr>
+        <p:style>
+          <a:lnRef idx="1">
+            <a:schemeClr val="accent1"/>
+          </a:lnRef>
+          <a:fillRef idx="0">
+            <a:schemeClr val="accent1"/>
+          </a:fillRef>
+          <a:effectRef idx="0">
+            <a:schemeClr val="accent1"/>
+          </a:effectRef>
+          <a:fontRef idx="minor">
+            <a:schemeClr val="tx1"/>
+          </a:fontRef>
+        </p:style>
+      </p:cxnSp>
+      <p:pic>
+        <p:nvPicPr>
+          <p:cNvPr id="1026" name="Picture 2" descr="Káº¿t quáº£ hÃ¬nh áº£nh cho kafka">
+            <a:extLst>
+              <a:ext uri="{FF2B5EF4-FFF2-40B4-BE49-F238E27FC236}">
+                <a16:creationId xmlns:a16="http://schemas.microsoft.com/office/drawing/2014/main" id="{B8F0942E-105C-43B3-8247-9B312C8CA165}"/>
+              </a:ext>
+            </a:extLst>
+          </p:cNvPr>
+          <p:cNvPicPr>
+            <a:picLocks noChangeAspect="1" noChangeArrowheads="1"/>
+          </p:cNvPicPr>
+          <p:nvPr/>
+        </p:nvPicPr>
+        <p:blipFill>
+          <a:blip r:embed="rId2">
+            <a:extLst>
+              <a:ext uri="{28A0092B-C50C-407E-A947-70E740481C1C}">
+                <a14:useLocalDpi xmlns:a14="http://schemas.microsoft.com/office/drawing/2010/main" val="0"/>
+              </a:ext>
+            </a:extLst>
+          </a:blip>
+          <a:srcRect/>
+          <a:stretch>
+            <a:fillRect/>
+          </a:stretch>
+        </p:blipFill>
+        <p:spPr bwMode="auto">
+          <a:xfrm>
+            <a:off x="686330" y="3771990"/>
+            <a:ext cx="2807793" cy="2508308"/>
+          </a:xfrm>
+          <a:prstGeom prst="rect">
+            <a:avLst/>
+          </a:prstGeom>
+          <a:noFill/>
+          <a:extLst>
+            <a:ext uri="{909E8E84-426E-40DD-AFC4-6F175D3DCCD1}">
+              <a14:hiddenFill xmlns:a14="http://schemas.microsoft.com/office/drawing/2010/main">
+                <a:solidFill>
+                  <a:srgbClr val="FFFFFF"/>
+                </a:solidFill>
+              </a14:hiddenFill>
+            </a:ext>
+          </a:extLst>
+        </p:spPr>
+      </p:pic>
+      <p:pic>
+        <p:nvPicPr>
+          <p:cNvPr id="1028" name="Picture 4" descr="Káº¿t quáº£ hÃ¬nh áº£nh cho Elasticsearch">
+            <a:extLst>
+              <a:ext uri="{FF2B5EF4-FFF2-40B4-BE49-F238E27FC236}">
+                <a16:creationId xmlns:a16="http://schemas.microsoft.com/office/drawing/2014/main" id="{9884BBE1-674D-40A8-84A8-3421148F156C}"/>
+              </a:ext>
+            </a:extLst>
+          </p:cNvPr>
+          <p:cNvPicPr>
+            <a:picLocks noChangeAspect="1" noChangeArrowheads="1"/>
+          </p:cNvPicPr>
+          <p:nvPr/>
+        </p:nvPicPr>
+        <p:blipFill>
+          <a:blip r:embed="rId3">
+            <a:extLst>
+              <a:ext uri="{28A0092B-C50C-407E-A947-70E740481C1C}">
+                <a14:useLocalDpi xmlns:a14="http://schemas.microsoft.com/office/drawing/2010/main" val="0"/>
+              </a:ext>
+            </a:extLst>
+          </a:blip>
+          <a:srcRect/>
+          <a:stretch>
+            <a:fillRect/>
+          </a:stretch>
+        </p:blipFill>
+        <p:spPr bwMode="auto">
+          <a:xfrm>
+            <a:off x="4572000" y="1694378"/>
+            <a:ext cx="4117764" cy="1734619"/>
+          </a:xfrm>
+          <a:prstGeom prst="rect">
+            <a:avLst/>
+          </a:prstGeom>
+          <a:noFill/>
+          <a:extLst>
+            <a:ext uri="{909E8E84-426E-40DD-AFC4-6F175D3DCCD1}">
+              <a14:hiddenFill xmlns:a14="http://schemas.microsoft.com/office/drawing/2010/main">
+                <a:solidFill>
+                  <a:srgbClr val="FFFFFF"/>
+                </a:solidFill>
+              </a14:hiddenFill>
+            </a:ext>
+          </a:extLst>
+        </p:spPr>
+      </p:pic>
+      <p:pic>
+        <p:nvPicPr>
+          <p:cNvPr id="1030" name="Picture 6" descr="HÃ¬nh áº£nh cÃ³ liÃªn quan">
+            <a:extLst>
+              <a:ext uri="{FF2B5EF4-FFF2-40B4-BE49-F238E27FC236}">
+                <a16:creationId xmlns:a16="http://schemas.microsoft.com/office/drawing/2014/main" id="{75F8CE28-0AA9-45E4-A42F-8FE95197BB7D}"/>
+              </a:ext>
+            </a:extLst>
+          </p:cNvPr>
+          <p:cNvPicPr>
+            <a:picLocks noChangeAspect="1" noChangeArrowheads="1"/>
+          </p:cNvPicPr>
+          <p:nvPr/>
+        </p:nvPicPr>
+        <p:blipFill>
+          <a:blip r:embed="rId4">
+            <a:extLst>
+              <a:ext uri="{28A0092B-C50C-407E-A947-70E740481C1C}">
+                <a14:useLocalDpi xmlns:a14="http://schemas.microsoft.com/office/drawing/2010/main" val="0"/>
+              </a:ext>
+            </a:extLst>
+          </a:blip>
+          <a:srcRect/>
+          <a:stretch>
+            <a:fillRect/>
+          </a:stretch>
+        </p:blipFill>
+        <p:spPr bwMode="auto">
+          <a:xfrm>
+            <a:off x="353043" y="1694375"/>
+            <a:ext cx="3338740" cy="2014500"/>
+          </a:xfrm>
+          <a:prstGeom prst="rect">
+            <a:avLst/>
+          </a:prstGeom>
+          <a:noFill/>
+          <a:extLst>
+            <a:ext uri="{909E8E84-426E-40DD-AFC4-6F175D3DCCD1}">
+              <a14:hiddenFill xmlns:a14="http://schemas.microsoft.com/office/drawing/2010/main">
+                <a:solidFill>
+                  <a:srgbClr val="FFFFFF"/>
+                </a:solidFill>
+              </a14:hiddenFill>
+            </a:ext>
+          </a:extLst>
+        </p:spPr>
+      </p:pic>
+    </p:spTree>
+    <p:extLst>
+      <p:ext uri="{BB962C8B-B14F-4D97-AF65-F5344CB8AC3E}">
+        <p14:creationId xmlns:p14="http://schemas.microsoft.com/office/powerpoint/2010/main" val="4072539425"/>
+      </p:ext>
+    </p:extLst>
+  </p:cSld>
+  <p:clrMapOvr>
+    <a:masterClrMapping/>
+  </p:clrMapOvr>
+</p:sld>
+</file>
+
+<file path=ppt/slides/slide12.xml><?xml version="1.0" encoding="utf-8"?>
+<p:sld xmlns:a="http://schemas.openxmlformats.org/drawingml/2006/main" xmlns:r="http://schemas.openxmlformats.org/officeDocument/2006/relationships" xmlns:p="http://schemas.openxmlformats.org/presentationml/2006/main">
+  <p:cSld>
+    <p:spTree>
+      <p:nvGrpSpPr>
+        <p:cNvPr id="1" name=""/>
+        <p:cNvGrpSpPr/>
+        <p:nvPr/>
+      </p:nvGrpSpPr>
+      <p:grpSpPr>
+        <a:xfrm>
+          <a:off x="0" y="0"/>
+          <a:ext cx="0" cy="0"/>
+          <a:chOff x="0" y="0"/>
+          <a:chExt cx="0" cy="0"/>
+        </a:xfrm>
+      </p:grpSpPr>
+      <p:sp>
+        <p:nvSpPr>
+          <p:cNvPr id="7" name="Title 6" hidden="1">
+            <a:extLst>
+              <a:ext uri="{FF2B5EF4-FFF2-40B4-BE49-F238E27FC236}">
+                <a16:creationId xmlns:a16="http://schemas.microsoft.com/office/drawing/2014/main" id="{166BC32C-2E11-43D3-963B-9766918E0FE5}"/>
+              </a:ext>
+            </a:extLst>
+          </p:cNvPr>
+          <p:cNvSpPr>
+            <a:spLocks noGrp="1"/>
+          </p:cNvSpPr>
+          <p:nvPr>
+            <p:ph type="title" idx="4294967295"/>
+          </p:nvPr>
+        </p:nvSpPr>
+        <p:spPr>
+          <a:xfrm>
+            <a:off x="0" y="1131094"/>
+            <a:ext cx="7886700" cy="994172"/>
+          </a:xfrm>
+        </p:spPr>
+        <p:txBody>
+          <a:bodyPr/>
+          <a:lstStyle/>
+          <a:p>
+            <a:r>
+              <a:rPr lang="en-US" dirty="0"/>
+              <a:t>Project analysis slide 6</a:t>
+            </a:r>
+          </a:p>
+        </p:txBody>
+      </p:sp>
+      <p:cxnSp>
+        <p:nvCxnSpPr>
+          <p:cNvPr id="8" name="Straight Connector 7">
+            <a:extLst>
+              <a:ext uri="{FF2B5EF4-FFF2-40B4-BE49-F238E27FC236}">
+                <a16:creationId xmlns:a16="http://schemas.microsoft.com/office/drawing/2014/main" id="{D0986099-F5F2-4E8B-BE17-81194861A00C}"/>
+              </a:ext>
+              <a:ext uri="{C183D7F6-B498-43B3-948B-1728B52AA6E4}">
+                <adec:decorative xmlns:adec="http://schemas.microsoft.com/office/drawing/2017/decorative" val="1"/>
+              </a:ext>
+            </a:extLst>
+          </p:cNvPr>
+          <p:cNvCxnSpPr>
+            <a:cxnSpLocks/>
+          </p:cNvCxnSpPr>
+          <p:nvPr/>
+        </p:nvCxnSpPr>
+        <p:spPr>
+          <a:xfrm>
+            <a:off x="6079332" y="1249424"/>
+            <a:ext cx="3064669" cy="0"/>
+          </a:xfrm>
+          <a:prstGeom prst="line">
+            <a:avLst/>
+          </a:prstGeom>
+          <a:ln>
+            <a:solidFill>
+              <a:schemeClr val="accent3">
+                <a:lumMod val="50000"/>
+              </a:schemeClr>
+            </a:solidFill>
+            <a:headEnd type="oval"/>
+          </a:ln>
+        </p:spPr>
+        <p:style>
+          <a:lnRef idx="1">
+            <a:schemeClr val="accent1"/>
+          </a:lnRef>
+          <a:fillRef idx="0">
+            <a:schemeClr val="accent1"/>
+          </a:fillRef>
+          <a:effectRef idx="0">
+            <a:schemeClr val="accent1"/>
+          </a:effectRef>
+          <a:fontRef idx="minor">
+            <a:schemeClr val="tx1"/>
+          </a:fontRef>
+        </p:style>
+      </p:cxnSp>
+      <p:sp>
+        <p:nvSpPr>
+          <p:cNvPr id="11" name="Title 1">
+            <a:extLst>
+              <a:ext uri="{FF2B5EF4-FFF2-40B4-BE49-F238E27FC236}">
+                <a16:creationId xmlns:a16="http://schemas.microsoft.com/office/drawing/2014/main" id="{4E3F5479-058B-4FA8-92E9-18CAB8CDC5C5}"/>
+              </a:ext>
+            </a:extLst>
+          </p:cNvPr>
+          <p:cNvSpPr txBox="1">
+            <a:spLocks/>
+          </p:cNvSpPr>
+          <p:nvPr/>
+        </p:nvSpPr>
+        <p:spPr>
+          <a:xfrm>
+            <a:off x="36270" y="416673"/>
+            <a:ext cx="8801100" cy="387798"/>
+          </a:xfrm>
+          <a:prstGeom prst="rect">
+            <a:avLst/>
+          </a:prstGeom>
+        </p:spPr>
+        <p:txBody>
+          <a:bodyPr vert="horz" wrap="square" lIns="0" tIns="0" rIns="0" bIns="0" rtlCol="0" anchor="t">
+            <a:spAutoFit/>
+          </a:bodyPr>
+          <a:lstStyle>
+            <a:lvl1pPr algn="l" defTabSz="914400" rtl="0" eaLnBrk="1" latinLnBrk="0" hangingPunct="1">
+              <a:lnSpc>
+                <a:spcPct val="90000"/>
+              </a:lnSpc>
+              <a:spcBef>
+                <a:spcPct val="0"/>
+              </a:spcBef>
+              <a:buNone/>
+              <a:defRPr sz="4400" kern="1200">
+                <a:solidFill>
+                  <a:schemeClr val="tx1"/>
+                </a:solidFill>
+                <a:latin typeface="+mj-lt"/>
+                <a:ea typeface="+mj-ea"/>
+                <a:cs typeface="+mj-cs"/>
+              </a:defRPr>
+            </a:lvl1pPr>
+          </a:lstStyle>
+          <a:p>
+            <a:pPr algn="ctr"/>
+            <a:r>
+              <a:rPr lang="en-US" sz="2800" b="1" dirty="0">
+                <a:solidFill>
+                  <a:schemeClr val="tx1">
+                    <a:lumMod val="75000"/>
+                    <a:lumOff val="25000"/>
+                  </a:schemeClr>
+                </a:solidFill>
+                <a:latin typeface="Arial" panose="020B0604020202020204" pitchFamily="34" charset="0"/>
+                <a:cs typeface="Arial" panose="020B0604020202020204" pitchFamily="34" charset="0"/>
+              </a:rPr>
+              <a:t>DEMO</a:t>
+            </a:r>
+            <a:endParaRPr lang="en-US" sz="2800" dirty="0">
+              <a:solidFill>
+                <a:schemeClr val="tx1">
+                  <a:lumMod val="75000"/>
+                  <a:lumOff val="25000"/>
+                </a:schemeClr>
+              </a:solidFill>
+              <a:latin typeface="Arial" panose="020B0604020202020204" pitchFamily="34" charset="0"/>
+              <a:cs typeface="Arial" panose="020B0604020202020204" pitchFamily="34" charset="0"/>
+            </a:endParaRPr>
+          </a:p>
+        </p:txBody>
+      </p:sp>
+      <p:cxnSp>
+        <p:nvCxnSpPr>
+          <p:cNvPr id="14" name="Straight Connector 13">
+            <a:extLst>
+              <a:ext uri="{FF2B5EF4-FFF2-40B4-BE49-F238E27FC236}">
+                <a16:creationId xmlns:a16="http://schemas.microsoft.com/office/drawing/2014/main" id="{83E690F4-843A-47A5-8620-4FB01C0D8E68}"/>
+              </a:ext>
+              <a:ext uri="{C183D7F6-B498-43B3-948B-1728B52AA6E4}">
+                <adec:decorative xmlns:adec="http://schemas.microsoft.com/office/drawing/2017/decorative" val="1"/>
+              </a:ext>
+            </a:extLst>
+          </p:cNvPr>
+          <p:cNvCxnSpPr>
+            <a:cxnSpLocks/>
+          </p:cNvCxnSpPr>
+          <p:nvPr/>
+        </p:nvCxnSpPr>
+        <p:spPr>
+          <a:xfrm>
+            <a:off x="0" y="1249424"/>
+            <a:ext cx="3064669" cy="0"/>
+          </a:xfrm>
+          <a:prstGeom prst="line">
+            <a:avLst/>
+          </a:prstGeom>
+          <a:ln>
+            <a:solidFill>
+              <a:schemeClr val="accent3">
+                <a:lumMod val="50000"/>
+              </a:schemeClr>
+            </a:solidFill>
+            <a:tailEnd type="oval"/>
+          </a:ln>
+        </p:spPr>
+        <p:style>
+          <a:lnRef idx="1">
+            <a:schemeClr val="accent1"/>
+          </a:lnRef>
+          <a:fillRef idx="0">
+            <a:schemeClr val="accent1"/>
+          </a:fillRef>
+          <a:effectRef idx="0">
+            <a:schemeClr val="accent1"/>
+          </a:effectRef>
+          <a:fontRef idx="minor">
+            <a:schemeClr val="tx1"/>
+          </a:fontRef>
+        </p:style>
+      </p:cxnSp>
+    </p:spTree>
+    <p:extLst>
+      <p:ext uri="{BB962C8B-B14F-4D97-AF65-F5344CB8AC3E}">
+        <p14:creationId xmlns:p14="http://schemas.microsoft.com/office/powerpoint/2010/main" val="1943784068"/>
+      </p:ext>
+    </p:extLst>
+  </p:cSld>
+  <p:clrMapOvr>
+    <a:masterClrMapping/>
+  </p:clrMapOvr>
+</p:sld>
+</file>
+
+<file path=ppt/slides/slide13.xml><?xml version="1.0" encoding="utf-8"?>
+<p:sld xmlns:a="http://schemas.openxmlformats.org/drawingml/2006/main" xmlns:r="http://schemas.openxmlformats.org/officeDocument/2006/relationships" xmlns:p="http://schemas.openxmlformats.org/presentationml/2006/main">
+  <p:cSld>
     <p:bg>
       <p:bgPr>
         <a:pattFill prst="zigZag">
@@ -4843,8 +5860,8 @@
         </p:nvSpPr>
         <p:spPr>
           <a:xfrm rot="5400000">
-            <a:off x="-742890" y="3300908"/>
-            <a:ext cx="4129385" cy="1533514"/>
+            <a:off x="-918357" y="3342152"/>
+            <a:ext cx="4129385" cy="1451027"/>
           </a:xfrm>
           <a:prstGeom prst="trapezoid">
             <a:avLst/>
@@ -4903,8 +5920,8 @@
         </p:nvSpPr>
         <p:spPr>
           <a:xfrm rot="5400000">
-            <a:off x="2299948" y="3269336"/>
-            <a:ext cx="4129385" cy="1533514"/>
+            <a:off x="761287" y="3342150"/>
+            <a:ext cx="4129385" cy="1451027"/>
           </a:xfrm>
           <a:prstGeom prst="trapezoid">
             <a:avLst/>
@@ -4963,8 +5980,8 @@
         </p:nvSpPr>
         <p:spPr>
           <a:xfrm rot="5400000">
-            <a:off x="5342788" y="3300907"/>
-            <a:ext cx="4129384" cy="1533514"/>
+            <a:off x="2555732" y="3296406"/>
+            <a:ext cx="4129384" cy="1451027"/>
           </a:xfrm>
           <a:prstGeom prst="trapezoid">
             <a:avLst/>
@@ -5020,7 +6037,7 @@
         </p:nvSpPr>
         <p:spPr>
           <a:xfrm>
-            <a:off x="771221" y="2496315"/>
+            <a:off x="585798" y="2845219"/>
             <a:ext cx="1028700" cy="184666"/>
           </a:xfrm>
           <a:prstGeom prst="rect">
@@ -5081,7 +6098,7 @@
         </p:nvSpPr>
         <p:spPr>
           <a:xfrm>
-            <a:off x="3850290" y="2496315"/>
+            <a:off x="2311630" y="2856308"/>
             <a:ext cx="1028700" cy="184666"/>
           </a:xfrm>
           <a:prstGeom prst="rect">
@@ -5142,7 +6159,7 @@
         </p:nvSpPr>
         <p:spPr>
           <a:xfrm>
-            <a:off x="6893129" y="2496315"/>
+            <a:off x="4106074" y="2767670"/>
             <a:ext cx="1028700" cy="184666"/>
           </a:xfrm>
           <a:prstGeom prst="rect">
@@ -5203,7 +6220,7 @@
         </p:nvSpPr>
         <p:spPr>
           <a:xfrm>
-            <a:off x="771221" y="3159352"/>
+            <a:off x="636997" y="3159352"/>
             <a:ext cx="1088943" cy="2215991"/>
           </a:xfrm>
           <a:prstGeom prst="rect">
@@ -5461,7 +6478,7 @@
         </p:nvSpPr>
         <p:spPr>
           <a:xfrm>
-            <a:off x="6750463" y="3159352"/>
+            <a:off x="4004650" y="3113608"/>
             <a:ext cx="1314032" cy="553998"/>
           </a:xfrm>
           <a:prstGeom prst="rect">
@@ -5579,7 +6596,7 @@
         </p:nvSpPr>
         <p:spPr>
           <a:xfrm>
-            <a:off x="3850290" y="3159352"/>
+            <a:off x="2352872" y="3190922"/>
             <a:ext cx="1125174" cy="830997"/>
           </a:xfrm>
           <a:prstGeom prst="rect">
@@ -5722,6 +6739,262 @@
                 <a:cs typeface="Arial" panose="020B0604020202020204" pitchFamily="34" charset="0"/>
               </a:rPr>
               <a:t>thống</a:t>
+            </a:r>
+            <a:endParaRPr lang="en-US" dirty="0">
+              <a:solidFill>
+                <a:schemeClr val="bg1"/>
+              </a:solidFill>
+              <a:latin typeface="Arial" panose="020B0604020202020204" pitchFamily="34" charset="0"/>
+              <a:cs typeface="Arial" panose="020B0604020202020204" pitchFamily="34" charset="0"/>
+            </a:endParaRPr>
+          </a:p>
+        </p:txBody>
+      </p:sp>
+      <p:sp>
+        <p:nvSpPr>
+          <p:cNvPr id="18" name="Trapezoid 17">
+            <a:extLst>
+              <a:ext uri="{FF2B5EF4-FFF2-40B4-BE49-F238E27FC236}">
+                <a16:creationId xmlns:a16="http://schemas.microsoft.com/office/drawing/2014/main" id="{5E98F091-6143-4123-A620-CC09B769C96A}"/>
+              </a:ext>
+              <a:ext uri="{C183D7F6-B498-43B3-948B-1728B52AA6E4}">
+                <adec:decorative xmlns:adec="http://schemas.microsoft.com/office/drawing/2017/decorative" val="1"/>
+              </a:ext>
+            </a:extLst>
+          </p:cNvPr>
+          <p:cNvSpPr/>
+          <p:nvPr/>
+        </p:nvSpPr>
+        <p:spPr>
+          <a:xfrm rot="5400000">
+            <a:off x="4372323" y="3342149"/>
+            <a:ext cx="4129385" cy="1451027"/>
+          </a:xfrm>
+          <a:prstGeom prst="trapezoid">
+            <a:avLst/>
+          </a:prstGeom>
+          <a:solidFill>
+            <a:schemeClr val="accent4">
+              <a:lumMod val="75000"/>
+            </a:schemeClr>
+          </a:solidFill>
+          <a:ln>
+            <a:noFill/>
+          </a:ln>
+        </p:spPr>
+        <p:style>
+          <a:lnRef idx="2">
+            <a:schemeClr val="accent1">
+              <a:shade val="50000"/>
+            </a:schemeClr>
+          </a:lnRef>
+          <a:fillRef idx="1">
+            <a:schemeClr val="accent1"/>
+          </a:fillRef>
+          <a:effectRef idx="0">
+            <a:schemeClr val="accent1"/>
+          </a:effectRef>
+          <a:fontRef idx="minor">
+            <a:schemeClr val="lt1"/>
+          </a:fontRef>
+        </p:style>
+        <p:txBody>
+          <a:bodyPr rtlCol="0" anchor="ctr"/>
+          <a:lstStyle/>
+          <a:p>
+            <a:pPr algn="ctr"/>
+            <a:endParaRPr lang="en-US" sz="1350" dirty="0">
+              <a:latin typeface="Arial" panose="020B0604020202020204" pitchFamily="34" charset="0"/>
+              <a:cs typeface="Arial" panose="020B0604020202020204" pitchFamily="34" charset="0"/>
+            </a:endParaRPr>
+          </a:p>
+        </p:txBody>
+      </p:sp>
+      <p:sp>
+        <p:nvSpPr>
+          <p:cNvPr id="20" name="Rectangle 19">
+            <a:extLst>
+              <a:ext uri="{FF2B5EF4-FFF2-40B4-BE49-F238E27FC236}">
+                <a16:creationId xmlns:a16="http://schemas.microsoft.com/office/drawing/2014/main" id="{5F833FC4-260C-4061-80E1-EC180DA28C3A}"/>
+              </a:ext>
+            </a:extLst>
+          </p:cNvPr>
+          <p:cNvSpPr/>
+          <p:nvPr/>
+        </p:nvSpPr>
+        <p:spPr>
+          <a:xfrm>
+            <a:off x="5954575" y="2845219"/>
+            <a:ext cx="1125174" cy="553998"/>
+          </a:xfrm>
+          <a:prstGeom prst="rect">
+            <a:avLst/>
+          </a:prstGeom>
+        </p:spPr>
+        <p:txBody>
+          <a:bodyPr wrap="square" lIns="0" tIns="0" rIns="0" bIns="0" anchor="t">
+            <a:spAutoFit/>
+          </a:bodyPr>
+          <a:lstStyle/>
+          <a:p>
+            <a:pPr algn="ctr"/>
+            <a:r>
+              <a:rPr lang="en-US" b="1" dirty="0" err="1">
+                <a:solidFill>
+                  <a:schemeClr val="bg1"/>
+                </a:solidFill>
+                <a:latin typeface="Arial" panose="020B0604020202020204" pitchFamily="34" charset="0"/>
+                <a:cs typeface="Arial" panose="020B0604020202020204" pitchFamily="34" charset="0"/>
+              </a:rPr>
+              <a:t>Hướng</a:t>
+            </a:r>
+            <a:r>
+              <a:rPr lang="en-US" b="1" dirty="0">
+                <a:solidFill>
+                  <a:schemeClr val="bg1"/>
+                </a:solidFill>
+                <a:latin typeface="Arial" panose="020B0604020202020204" pitchFamily="34" charset="0"/>
+                <a:cs typeface="Arial" panose="020B0604020202020204" pitchFamily="34" charset="0"/>
+              </a:rPr>
+              <a:t> </a:t>
+            </a:r>
+            <a:r>
+              <a:rPr lang="en-US" b="1" dirty="0" err="1">
+                <a:solidFill>
+                  <a:schemeClr val="bg1"/>
+                </a:solidFill>
+                <a:latin typeface="Arial" panose="020B0604020202020204" pitchFamily="34" charset="0"/>
+                <a:cs typeface="Arial" panose="020B0604020202020204" pitchFamily="34" charset="0"/>
+              </a:rPr>
+              <a:t>phát</a:t>
+            </a:r>
+            <a:r>
+              <a:rPr lang="en-US" b="1" dirty="0">
+                <a:solidFill>
+                  <a:schemeClr val="bg1"/>
+                </a:solidFill>
+                <a:latin typeface="Arial" panose="020B0604020202020204" pitchFamily="34" charset="0"/>
+                <a:cs typeface="Arial" panose="020B0604020202020204" pitchFamily="34" charset="0"/>
+              </a:rPr>
+              <a:t> </a:t>
+            </a:r>
+            <a:r>
+              <a:rPr lang="en-US" b="1" dirty="0" err="1">
+                <a:solidFill>
+                  <a:schemeClr val="bg1"/>
+                </a:solidFill>
+                <a:latin typeface="Arial" panose="020B0604020202020204" pitchFamily="34" charset="0"/>
+                <a:cs typeface="Arial" panose="020B0604020202020204" pitchFamily="34" charset="0"/>
+              </a:rPr>
+              <a:t>triển</a:t>
+            </a:r>
+            <a:endParaRPr lang="en-US" dirty="0">
+              <a:solidFill>
+                <a:schemeClr val="bg1"/>
+              </a:solidFill>
+              <a:latin typeface="Arial" panose="020B0604020202020204" pitchFamily="34" charset="0"/>
+              <a:cs typeface="Arial" panose="020B0604020202020204" pitchFamily="34" charset="0"/>
+            </a:endParaRPr>
+          </a:p>
+        </p:txBody>
+      </p:sp>
+      <p:sp>
+        <p:nvSpPr>
+          <p:cNvPr id="21" name="Trapezoid 20">
+            <a:extLst>
+              <a:ext uri="{FF2B5EF4-FFF2-40B4-BE49-F238E27FC236}">
+                <a16:creationId xmlns:a16="http://schemas.microsoft.com/office/drawing/2014/main" id="{8B583182-8C1E-44AB-BCDA-49D06596354B}"/>
+              </a:ext>
+              <a:ext uri="{C183D7F6-B498-43B3-948B-1728B52AA6E4}">
+                <adec:decorative xmlns:adec="http://schemas.microsoft.com/office/drawing/2017/decorative" val="1"/>
+              </a:ext>
+            </a:extLst>
+          </p:cNvPr>
+          <p:cNvSpPr/>
+          <p:nvPr/>
+        </p:nvSpPr>
+        <p:spPr>
+          <a:xfrm rot="5400000">
+            <a:off x="6066423" y="3342149"/>
+            <a:ext cx="4129384" cy="1451027"/>
+          </a:xfrm>
+          <a:prstGeom prst="trapezoid">
+            <a:avLst/>
+          </a:prstGeom>
+          <a:solidFill>
+            <a:schemeClr val="accent3">
+              <a:lumMod val="75000"/>
+            </a:schemeClr>
+          </a:solidFill>
+          <a:ln>
+            <a:noFill/>
+          </a:ln>
+        </p:spPr>
+        <p:style>
+          <a:lnRef idx="2">
+            <a:schemeClr val="accent1">
+              <a:shade val="50000"/>
+            </a:schemeClr>
+          </a:lnRef>
+          <a:fillRef idx="1">
+            <a:schemeClr val="accent1"/>
+          </a:fillRef>
+          <a:effectRef idx="0">
+            <a:schemeClr val="accent1"/>
+          </a:effectRef>
+          <a:fontRef idx="minor">
+            <a:schemeClr val="lt1"/>
+          </a:fontRef>
+        </p:style>
+        <p:txBody>
+          <a:bodyPr rtlCol="0" anchor="ctr"/>
+          <a:lstStyle/>
+          <a:p>
+            <a:pPr algn="ctr"/>
+            <a:endParaRPr lang="en-US" sz="1350" dirty="0">
+              <a:latin typeface="Arial" panose="020B0604020202020204" pitchFamily="34" charset="0"/>
+              <a:cs typeface="Arial" panose="020B0604020202020204" pitchFamily="34" charset="0"/>
+            </a:endParaRPr>
+          </a:p>
+        </p:txBody>
+      </p:sp>
+      <p:sp>
+        <p:nvSpPr>
+          <p:cNvPr id="23" name="Rectangle 22">
+            <a:extLst>
+              <a:ext uri="{FF2B5EF4-FFF2-40B4-BE49-F238E27FC236}">
+                <a16:creationId xmlns:a16="http://schemas.microsoft.com/office/drawing/2014/main" id="{B8254D7A-6E97-446C-BB28-285643914337}"/>
+              </a:ext>
+            </a:extLst>
+          </p:cNvPr>
+          <p:cNvSpPr/>
+          <p:nvPr/>
+        </p:nvSpPr>
+        <p:spPr>
+          <a:xfrm>
+            <a:off x="7528093" y="2934254"/>
+            <a:ext cx="1314032" cy="276999"/>
+          </a:xfrm>
+          <a:prstGeom prst="rect">
+            <a:avLst/>
+          </a:prstGeom>
+        </p:spPr>
+        <p:txBody>
+          <a:bodyPr wrap="square" lIns="0" tIns="0" rIns="0" bIns="0" anchor="t">
+            <a:spAutoFit/>
+          </a:bodyPr>
+          <a:lstStyle/>
+          <a:p>
+            <a:pPr algn="ctr"/>
+            <a:r>
+              <a:rPr lang="en-US" b="1" dirty="0">
+                <a:solidFill>
+                  <a:schemeClr val="bg1"/>
+                </a:solidFill>
+                <a:latin typeface="Arial" panose="020B0604020202020204" pitchFamily="34" charset="0"/>
+                <a:cs typeface="Arial" panose="020B0604020202020204" pitchFamily="34" charset="0"/>
+              </a:rPr>
+              <a:t>Demo</a:t>
             </a:r>
             <a:endParaRPr lang="en-US" dirty="0">
               <a:solidFill>
@@ -6108,6 +7381,182 @@
                                         <p:cTn id="35" dur="500"/>
                                         <p:tgtEl>
                                           <p:spTgt spid="53"/>
+                                        </p:tgtEl>
+                                      </p:cBhvr>
+                                    </p:animEffect>
+                                  </p:childTnLst>
+                                </p:cTn>
+                              </p:par>
+                            </p:childTnLst>
+                          </p:cTn>
+                        </p:par>
+                      </p:childTnLst>
+                    </p:cTn>
+                  </p:par>
+                  <p:par>
+                    <p:cTn id="36" fill="hold">
+                      <p:stCondLst>
+                        <p:cond delay="indefinite"/>
+                      </p:stCondLst>
+                      <p:childTnLst>
+                        <p:par>
+                          <p:cTn id="37" fill="hold">
+                            <p:stCondLst>
+                              <p:cond delay="0"/>
+                            </p:stCondLst>
+                            <p:childTnLst>
+                              <p:par>
+                                <p:cTn id="38" presetID="14" presetClass="entr" presetSubtype="10" fill="hold" grpId="0" nodeType="clickEffect">
+                                  <p:stCondLst>
+                                    <p:cond delay="0"/>
+                                  </p:stCondLst>
+                                  <p:childTnLst>
+                                    <p:set>
+                                      <p:cBhvr>
+                                        <p:cTn id="39" dur="1" fill="hold">
+                                          <p:stCondLst>
+                                            <p:cond delay="0"/>
+                                          </p:stCondLst>
+                                        </p:cTn>
+                                        <p:tgtEl>
+                                          <p:spTgt spid="18"/>
+                                        </p:tgtEl>
+                                        <p:attrNameLst>
+                                          <p:attrName>style.visibility</p:attrName>
+                                        </p:attrNameLst>
+                                      </p:cBhvr>
+                                      <p:to>
+                                        <p:strVal val="visible"/>
+                                      </p:to>
+                                    </p:set>
+                                    <p:animEffect transition="in" filter="randombar(horizontal)">
+                                      <p:cBhvr>
+                                        <p:cTn id="40" dur="500"/>
+                                        <p:tgtEl>
+                                          <p:spTgt spid="18"/>
+                                        </p:tgtEl>
+                                      </p:cBhvr>
+                                    </p:animEffect>
+                                  </p:childTnLst>
+                                </p:cTn>
+                              </p:par>
+                              <p:par>
+                                <p:cTn id="41" presetID="14" presetClass="entr" presetSubtype="10" fill="hold" grpId="0" nodeType="withEffect">
+                                  <p:stCondLst>
+                                    <p:cond delay="0"/>
+                                  </p:stCondLst>
+                                  <p:childTnLst>
+                                    <p:set>
+                                      <p:cBhvr>
+                                        <p:cTn id="42" dur="1" fill="hold">
+                                          <p:stCondLst>
+                                            <p:cond delay="0"/>
+                                          </p:stCondLst>
+                                        </p:cTn>
+                                        <p:tgtEl>
+                                          <p:spTgt spid="20"/>
+                                        </p:tgtEl>
+                                        <p:attrNameLst>
+                                          <p:attrName>style.visibility</p:attrName>
+                                        </p:attrNameLst>
+                                      </p:cBhvr>
+                                      <p:to>
+                                        <p:strVal val="visible"/>
+                                      </p:to>
+                                    </p:set>
+                                    <p:animEffect transition="in" filter="randombar(horizontal)">
+                                      <p:cBhvr>
+                                        <p:cTn id="43" dur="500"/>
+                                        <p:tgtEl>
+                                          <p:spTgt spid="20"/>
+                                        </p:tgtEl>
+                                      </p:cBhvr>
+                                    </p:animEffect>
+                                  </p:childTnLst>
+                                </p:cTn>
+                              </p:par>
+                            </p:childTnLst>
+                          </p:cTn>
+                        </p:par>
+                      </p:childTnLst>
+                    </p:cTn>
+                  </p:par>
+                  <p:par>
+                    <p:cTn id="44" fill="hold">
+                      <p:stCondLst>
+                        <p:cond delay="indefinite"/>
+                      </p:stCondLst>
+                      <p:childTnLst>
+                        <p:par>
+                          <p:cTn id="45" fill="hold">
+                            <p:stCondLst>
+                              <p:cond delay="0"/>
+                            </p:stCondLst>
+                            <p:childTnLst>
+                              <p:par>
+                                <p:cTn id="46" presetID="14" presetClass="entr" presetSubtype="10" fill="hold" grpId="0" nodeType="clickEffect">
+                                  <p:stCondLst>
+                                    <p:cond delay="0"/>
+                                  </p:stCondLst>
+                                  <p:childTnLst>
+                                    <p:set>
+                                      <p:cBhvr>
+                                        <p:cTn id="47" dur="1" fill="hold">
+                                          <p:stCondLst>
+                                            <p:cond delay="0"/>
+                                          </p:stCondLst>
+                                        </p:cTn>
+                                        <p:tgtEl>
+                                          <p:spTgt spid="21"/>
+                                        </p:tgtEl>
+                                        <p:attrNameLst>
+                                          <p:attrName>style.visibility</p:attrName>
+                                        </p:attrNameLst>
+                                      </p:cBhvr>
+                                      <p:to>
+                                        <p:strVal val="visible"/>
+                                      </p:to>
+                                    </p:set>
+                                    <p:animEffect transition="in" filter="randombar(horizontal)">
+                                      <p:cBhvr>
+                                        <p:cTn id="48" dur="500"/>
+                                        <p:tgtEl>
+                                          <p:spTgt spid="21"/>
+                                        </p:tgtEl>
+                                      </p:cBhvr>
+                                    </p:animEffect>
+                                  </p:childTnLst>
+                                </p:cTn>
+                              </p:par>
+                              <p:par>
+                                <p:cTn id="49" presetID="14" presetClass="entr" presetSubtype="10" fill="hold" grpId="0" nodeType="withEffect">
+                                  <p:stCondLst>
+                                    <p:cond delay="0"/>
+                                  </p:stCondLst>
+                                  <p:childTnLst>
+                                    <p:set>
+                                      <p:cBhvr>
+                                        <p:cTn id="50" dur="1" fill="hold">
+                                          <p:stCondLst>
+                                            <p:cond delay="0"/>
+                                          </p:stCondLst>
+                                        </p:cTn>
+                                        <p:tgtEl>
+                                          <p:spTgt spid="23"/>
+                                        </p:tgtEl>
+                                        <p:attrNameLst>
+                                          <p:attrName>style.visibility</p:attrName>
+                                        </p:attrNameLst>
+                                      </p:cBhvr>
+                                      <p:to>
+                                        <p:strVal val="visible"/>
+                                      </p:to>
+                                    </p:set>
+                                    <p:animEffect transition="in" filter="randombar(horizontal)">
+                                      <p:cBhvr>
+                                        <p:cTn id="51" dur="500"/>
+                                        <p:tgtEl>
+                                          <p:spTgt spid="23"/>
                                         </p:tgtEl>
                                       </p:cBhvr>
                                     </p:animEffect>
@@ -6151,6 +7600,10 @@
       <p:bldP spid="51" grpId="0"/>
       <p:bldP spid="53" grpId="0"/>
       <p:bldP spid="38" grpId="0"/>
+      <p:bldP spid="18" grpId="0" animBg="1"/>
+      <p:bldP spid="20" grpId="0"/>
+      <p:bldP spid="21" grpId="0" animBg="1"/>
+      <p:bldP spid="23" grpId="0"/>
     </p:bldLst>
   </p:timing>
 </p:sld>
@@ -13045,7 +14498,7 @@
         </p:nvCxnSpPr>
         <p:spPr>
           <a:xfrm>
-            <a:off x="6079332" y="1249424"/>
+            <a:off x="6079331" y="871383"/>
             <a:ext cx="3064669" cy="0"/>
           </a:xfrm>
           <a:prstGeom prst="line">
@@ -13075,132 +14528,6 @@
           </a:fontRef>
         </p:style>
       </p:cxnSp>
-      <p:sp>
-        <p:nvSpPr>
-          <p:cNvPr id="11" name="Title 1">
-            <a:extLst>
-              <a:ext uri="{FF2B5EF4-FFF2-40B4-BE49-F238E27FC236}">
-                <a16:creationId xmlns:a16="http://schemas.microsoft.com/office/drawing/2014/main" id="{4E3F5479-058B-4FA8-92E9-18CAB8CDC5C5}"/>
-              </a:ext>
-            </a:extLst>
-          </p:cNvPr>
-          <p:cNvSpPr txBox="1">
-            <a:spLocks/>
-          </p:cNvSpPr>
-          <p:nvPr/>
-        </p:nvSpPr>
-        <p:spPr>
-          <a:xfrm>
-            <a:off x="36270" y="416673"/>
-            <a:ext cx="8801100" cy="387798"/>
-          </a:xfrm>
-          <a:prstGeom prst="rect">
-            <a:avLst/>
-          </a:prstGeom>
-        </p:spPr>
-        <p:txBody>
-          <a:bodyPr vert="horz" wrap="square" lIns="0" tIns="0" rIns="0" bIns="0" rtlCol="0" anchor="t">
-            <a:spAutoFit/>
-          </a:bodyPr>
-          <a:lstStyle>
-            <a:lvl1pPr algn="l" defTabSz="914400" rtl="0" eaLnBrk="1" latinLnBrk="0" hangingPunct="1">
-              <a:lnSpc>
-                <a:spcPct val="90000"/>
-              </a:lnSpc>
-              <a:spcBef>
-                <a:spcPct val="0"/>
-              </a:spcBef>
-              <a:buNone/>
-              <a:defRPr sz="4400" kern="1200">
-                <a:solidFill>
-                  <a:schemeClr val="tx1"/>
-                </a:solidFill>
-                <a:latin typeface="+mj-lt"/>
-                <a:ea typeface="+mj-ea"/>
-                <a:cs typeface="+mj-cs"/>
-              </a:defRPr>
-            </a:lvl1pPr>
-          </a:lstStyle>
-          <a:p>
-            <a:pPr algn="ctr"/>
-            <a:r>
-              <a:rPr lang="en-US" sz="2800" b="1" dirty="0">
-                <a:solidFill>
-                  <a:schemeClr val="tx1">
-                    <a:lumMod val="75000"/>
-                    <a:lumOff val="25000"/>
-                  </a:schemeClr>
-                </a:solidFill>
-                <a:latin typeface="Arial" panose="020B0604020202020204" pitchFamily="34" charset="0"/>
-                <a:cs typeface="Arial" panose="020B0604020202020204" pitchFamily="34" charset="0"/>
-              </a:rPr>
-              <a:t>CH</a:t>
-            </a:r>
-            <a:r>
-              <a:rPr lang="vi-VN" sz="2800" b="1" dirty="0">
-                <a:solidFill>
-                  <a:schemeClr val="tx1">
-                    <a:lumMod val="75000"/>
-                    <a:lumOff val="25000"/>
-                  </a:schemeClr>
-                </a:solidFill>
-                <a:latin typeface="Arial" panose="020B0604020202020204" pitchFamily="34" charset="0"/>
-                <a:cs typeface="Arial" panose="020B0604020202020204" pitchFamily="34" charset="0"/>
-              </a:rPr>
-              <a:t>Ư</a:t>
-            </a:r>
-            <a:r>
-              <a:rPr lang="en-US" sz="2800" b="1" dirty="0">
-                <a:solidFill>
-                  <a:schemeClr val="tx1">
-                    <a:lumMod val="75000"/>
-                    <a:lumOff val="25000"/>
-                  </a:schemeClr>
-                </a:solidFill>
-                <a:latin typeface="Arial" panose="020B0604020202020204" pitchFamily="34" charset="0"/>
-                <a:cs typeface="Arial" panose="020B0604020202020204" pitchFamily="34" charset="0"/>
-              </a:rPr>
-              <a:t>ƠNG 3: KẾT QUẢ ĐẠT Đ</a:t>
-            </a:r>
-            <a:r>
-              <a:rPr lang="vi-VN" sz="2800" b="1" dirty="0">
-                <a:solidFill>
-                  <a:schemeClr val="tx1">
-                    <a:lumMod val="75000"/>
-                    <a:lumOff val="25000"/>
-                  </a:schemeClr>
-                </a:solidFill>
-                <a:latin typeface="Arial" panose="020B0604020202020204" pitchFamily="34" charset="0"/>
-                <a:cs typeface="Arial" panose="020B0604020202020204" pitchFamily="34" charset="0"/>
-              </a:rPr>
-              <a:t>Ư</a:t>
-            </a:r>
-            <a:r>
-              <a:rPr lang="en-US" sz="2800" b="1" dirty="0">
-                <a:solidFill>
-                  <a:schemeClr val="tx1">
-                    <a:lumMod val="75000"/>
-                    <a:lumOff val="25000"/>
-                  </a:schemeClr>
-                </a:solidFill>
-                <a:latin typeface="Arial" panose="020B0604020202020204" pitchFamily="34" charset="0"/>
-                <a:cs typeface="Arial" panose="020B0604020202020204" pitchFamily="34" charset="0"/>
-              </a:rPr>
-              <a:t>ỢC</a:t>
-            </a:r>
-            <a:endParaRPr lang="en-US" sz="2800" dirty="0">
-              <a:solidFill>
-                <a:schemeClr val="tx1">
-                  <a:lumMod val="75000"/>
-                  <a:lumOff val="25000"/>
-                </a:schemeClr>
-              </a:solidFill>
-              <a:latin typeface="Arial" panose="020B0604020202020204" pitchFamily="34" charset="0"/>
-              <a:cs typeface="Arial" panose="020B0604020202020204" pitchFamily="34" charset="0"/>
-            </a:endParaRPr>
-          </a:p>
-        </p:txBody>
-      </p:sp>
       <p:cxnSp>
         <p:nvCxnSpPr>
           <p:cNvPr id="14" name="Straight Connector 13">
@@ -13220,7 +14547,7 @@
         </p:nvCxnSpPr>
         <p:spPr>
           <a:xfrm>
-            <a:off x="0" y="1249424"/>
+            <a:off x="0" y="871919"/>
             <a:ext cx="3064669" cy="0"/>
           </a:xfrm>
           <a:prstGeom prst="line">
@@ -13362,6 +14689,173 @@
           </a:prstGeom>
         </p:spPr>
       </p:pic>
+      <p:sp>
+        <p:nvSpPr>
+          <p:cNvPr id="13" name="Title 1">
+            <a:extLst>
+              <a:ext uri="{FF2B5EF4-FFF2-40B4-BE49-F238E27FC236}">
+                <a16:creationId xmlns:a16="http://schemas.microsoft.com/office/drawing/2014/main" id="{FD4AFD7F-48DE-4234-AD98-52B445B5A6EA}"/>
+              </a:ext>
+            </a:extLst>
+          </p:cNvPr>
+          <p:cNvSpPr txBox="1">
+            <a:spLocks/>
+          </p:cNvSpPr>
+          <p:nvPr/>
+        </p:nvSpPr>
+        <p:spPr>
+          <a:xfrm>
+            <a:off x="-1" y="224306"/>
+            <a:ext cx="9144001" cy="387798"/>
+          </a:xfrm>
+          <a:prstGeom prst="rect">
+            <a:avLst/>
+          </a:prstGeom>
+        </p:spPr>
+        <p:txBody>
+          <a:bodyPr vert="horz" wrap="square" lIns="0" tIns="0" rIns="0" bIns="0" rtlCol="0" anchor="t">
+            <a:spAutoFit/>
+          </a:bodyPr>
+          <a:lstStyle>
+            <a:lvl1pPr algn="l" defTabSz="914400" rtl="0" eaLnBrk="1" latinLnBrk="0" hangingPunct="1">
+              <a:lnSpc>
+                <a:spcPct val="90000"/>
+              </a:lnSpc>
+              <a:spcBef>
+                <a:spcPct val="0"/>
+              </a:spcBef>
+              <a:buNone/>
+              <a:defRPr sz="4400" kern="1200">
+                <a:solidFill>
+                  <a:schemeClr val="tx1"/>
+                </a:solidFill>
+                <a:latin typeface="+mj-lt"/>
+                <a:ea typeface="+mj-ea"/>
+                <a:cs typeface="+mj-cs"/>
+              </a:defRPr>
+            </a:lvl1pPr>
+          </a:lstStyle>
+          <a:p>
+            <a:pPr algn="ctr"/>
+            <a:r>
+              <a:rPr lang="en-US" sz="2800" b="1" dirty="0">
+                <a:solidFill>
+                  <a:schemeClr val="tx1">
+                    <a:lumMod val="75000"/>
+                    <a:lumOff val="25000"/>
+                  </a:schemeClr>
+                </a:solidFill>
+                <a:latin typeface="Arial" panose="020B0604020202020204" pitchFamily="34" charset="0"/>
+                <a:cs typeface="Arial" panose="020B0604020202020204" pitchFamily="34" charset="0"/>
+              </a:rPr>
+              <a:t>CH</a:t>
+            </a:r>
+            <a:r>
+              <a:rPr lang="vi-VN" sz="2800" b="1" dirty="0">
+                <a:solidFill>
+                  <a:schemeClr val="tx1">
+                    <a:lumMod val="75000"/>
+                    <a:lumOff val="25000"/>
+                  </a:schemeClr>
+                </a:solidFill>
+                <a:latin typeface="Arial" panose="020B0604020202020204" pitchFamily="34" charset="0"/>
+                <a:cs typeface="Arial" panose="020B0604020202020204" pitchFamily="34" charset="0"/>
+              </a:rPr>
+              <a:t>Ư</a:t>
+            </a:r>
+            <a:r>
+              <a:rPr lang="en-US" sz="2800" b="1" dirty="0">
+                <a:solidFill>
+                  <a:schemeClr val="tx1">
+                    <a:lumMod val="75000"/>
+                    <a:lumOff val="25000"/>
+                  </a:schemeClr>
+                </a:solidFill>
+                <a:latin typeface="Arial" panose="020B0604020202020204" pitchFamily="34" charset="0"/>
+                <a:cs typeface="Arial" panose="020B0604020202020204" pitchFamily="34" charset="0"/>
+              </a:rPr>
+              <a:t>ƠNG 2: PHÂN TÍCH VÀ THIẾT KẾ HỆ THỐNG</a:t>
+            </a:r>
+            <a:endParaRPr lang="en-US" sz="2800" dirty="0">
+              <a:solidFill>
+                <a:schemeClr val="tx1">
+                  <a:lumMod val="75000"/>
+                  <a:lumOff val="25000"/>
+                </a:schemeClr>
+              </a:solidFill>
+              <a:latin typeface="Arial" panose="020B0604020202020204" pitchFamily="34" charset="0"/>
+              <a:cs typeface="Arial" panose="020B0604020202020204" pitchFamily="34" charset="0"/>
+            </a:endParaRPr>
+          </a:p>
+        </p:txBody>
+      </p:sp>
+      <p:sp>
+        <p:nvSpPr>
+          <p:cNvPr id="15" name="TextBox 14">
+            <a:extLst>
+              <a:ext uri="{FF2B5EF4-FFF2-40B4-BE49-F238E27FC236}">
+                <a16:creationId xmlns:a16="http://schemas.microsoft.com/office/drawing/2014/main" id="{87F410CC-744C-4C25-B95C-BB4FEA6DDD1B}"/>
+              </a:ext>
+            </a:extLst>
+          </p:cNvPr>
+          <p:cNvSpPr txBox="1"/>
+          <p:nvPr/>
+        </p:nvSpPr>
+        <p:spPr>
+          <a:xfrm>
+            <a:off x="-1" y="1021003"/>
+            <a:ext cx="7860484" cy="523220"/>
+          </a:xfrm>
+          <a:prstGeom prst="rect">
+            <a:avLst/>
+          </a:prstGeom>
+          <a:noFill/>
+        </p:spPr>
+        <p:txBody>
+          <a:bodyPr wrap="square" rtlCol="0">
+            <a:spAutoFit/>
+          </a:bodyPr>
+          <a:lstStyle/>
+          <a:p>
+            <a:pPr marL="285750" indent="-285750">
+              <a:buFont typeface="Wingdings" panose="05000000000000000000" pitchFamily="2" charset="2"/>
+              <a:buChar char="v"/>
+            </a:pPr>
+            <a:r>
+              <a:rPr lang="en-US" sz="2800" b="1" dirty="0">
+                <a:latin typeface="Arial" panose="020B0604020202020204" pitchFamily="34" charset="0"/>
+                <a:cs typeface="Arial" panose="020B0604020202020204" pitchFamily="34" charset="0"/>
+              </a:rPr>
+              <a:t> </a:t>
+            </a:r>
+            <a:r>
+              <a:rPr lang="en-US" sz="2800" b="1" dirty="0" err="1">
+                <a:latin typeface="Arial" panose="020B0604020202020204" pitchFamily="34" charset="0"/>
+                <a:cs typeface="Arial" panose="020B0604020202020204" pitchFamily="34" charset="0"/>
+              </a:rPr>
+              <a:t>Giao</a:t>
+            </a:r>
+            <a:r>
+              <a:rPr lang="en-US" sz="2800" b="1" dirty="0">
+                <a:latin typeface="Arial" panose="020B0604020202020204" pitchFamily="34" charset="0"/>
+                <a:cs typeface="Arial" panose="020B0604020202020204" pitchFamily="34" charset="0"/>
+              </a:rPr>
+              <a:t> </a:t>
+            </a:r>
+            <a:r>
+              <a:rPr lang="en-US" sz="2800" b="1" dirty="0" err="1">
+                <a:latin typeface="Arial" panose="020B0604020202020204" pitchFamily="34" charset="0"/>
+                <a:cs typeface="Arial" panose="020B0604020202020204" pitchFamily="34" charset="0"/>
+              </a:rPr>
+              <a:t>diện</a:t>
+            </a:r>
+            <a:endParaRPr lang="en-US" sz="2800" b="1" dirty="0">
+              <a:latin typeface="Arial" panose="020B0604020202020204" pitchFamily="34" charset="0"/>
+              <a:cs typeface="Arial" panose="020B0604020202020204" pitchFamily="34" charset="0"/>
+            </a:endParaRPr>
+          </a:p>
+        </p:txBody>
+      </p:sp>
     </p:spTree>
     <p:extLst>
       <p:ext uri="{BB962C8B-B14F-4D97-AF65-F5344CB8AC3E}">
